--- a/paper/figures/FigSMP/FigSMP.pptx
+++ b/paper/figures/FigSMP/FigSMP.pptx
@@ -288,7 +288,7 @@
           <a:p>
             <a:fld id="{530820CF-B880-4189-942D-D702A7CBA730}" type="datetimeFigureOut">
               <a:rPr lang="zh-CN" altLang="en-US" smtClean="0"/>
-              <a:t>2017/7/7</a:t>
+              <a:t>2017/9/4</a:t>
             </a:fld>
             <a:endParaRPr lang="zh-CN" altLang="en-US"/>
           </a:p>
@@ -453,7 +453,7 @@
           <a:p>
             <a:fld id="{530820CF-B880-4189-942D-D702A7CBA730}" type="datetimeFigureOut">
               <a:rPr lang="zh-CN" altLang="en-US" smtClean="0"/>
-              <a:t>2017/7/7</a:t>
+              <a:t>2017/9/4</a:t>
             </a:fld>
             <a:endParaRPr lang="zh-CN" altLang="en-US"/>
           </a:p>
@@ -628,7 +628,7 @@
           <a:p>
             <a:fld id="{530820CF-B880-4189-942D-D702A7CBA730}" type="datetimeFigureOut">
               <a:rPr lang="zh-CN" altLang="en-US" smtClean="0"/>
-              <a:t>2017/7/7</a:t>
+              <a:t>2017/9/4</a:t>
             </a:fld>
             <a:endParaRPr lang="zh-CN" altLang="en-US"/>
           </a:p>
@@ -793,7 +793,7 @@
           <a:p>
             <a:fld id="{530820CF-B880-4189-942D-D702A7CBA730}" type="datetimeFigureOut">
               <a:rPr lang="zh-CN" altLang="en-US" smtClean="0"/>
-              <a:t>2017/7/7</a:t>
+              <a:t>2017/9/4</a:t>
             </a:fld>
             <a:endParaRPr lang="zh-CN" altLang="en-US"/>
           </a:p>
@@ -1034,7 +1034,7 @@
           <a:p>
             <a:fld id="{530820CF-B880-4189-942D-D702A7CBA730}" type="datetimeFigureOut">
               <a:rPr lang="zh-CN" altLang="en-US" smtClean="0"/>
-              <a:t>2017/7/7</a:t>
+              <a:t>2017/9/4</a:t>
             </a:fld>
             <a:endParaRPr lang="zh-CN" altLang="en-US"/>
           </a:p>
@@ -1317,7 +1317,7 @@
           <a:p>
             <a:fld id="{530820CF-B880-4189-942D-D702A7CBA730}" type="datetimeFigureOut">
               <a:rPr lang="zh-CN" altLang="en-US" smtClean="0"/>
-              <a:t>2017/7/7</a:t>
+              <a:t>2017/9/4</a:t>
             </a:fld>
             <a:endParaRPr lang="zh-CN" altLang="en-US"/>
           </a:p>
@@ -1734,7 +1734,7 @@
           <a:p>
             <a:fld id="{530820CF-B880-4189-942D-D702A7CBA730}" type="datetimeFigureOut">
               <a:rPr lang="zh-CN" altLang="en-US" smtClean="0"/>
-              <a:t>2017/7/7</a:t>
+              <a:t>2017/9/4</a:t>
             </a:fld>
             <a:endParaRPr lang="zh-CN" altLang="en-US"/>
           </a:p>
@@ -1847,7 +1847,7 @@
           <a:p>
             <a:fld id="{530820CF-B880-4189-942D-D702A7CBA730}" type="datetimeFigureOut">
               <a:rPr lang="zh-CN" altLang="en-US" smtClean="0"/>
-              <a:t>2017/7/7</a:t>
+              <a:t>2017/9/4</a:t>
             </a:fld>
             <a:endParaRPr lang="zh-CN" altLang="en-US"/>
           </a:p>
@@ -1937,7 +1937,7 @@
           <a:p>
             <a:fld id="{530820CF-B880-4189-942D-D702A7CBA730}" type="datetimeFigureOut">
               <a:rPr lang="zh-CN" altLang="en-US" smtClean="0"/>
-              <a:t>2017/7/7</a:t>
+              <a:t>2017/9/4</a:t>
             </a:fld>
             <a:endParaRPr lang="zh-CN" altLang="en-US"/>
           </a:p>
@@ -2209,7 +2209,7 @@
           <a:p>
             <a:fld id="{530820CF-B880-4189-942D-D702A7CBA730}" type="datetimeFigureOut">
               <a:rPr lang="zh-CN" altLang="en-US" smtClean="0"/>
-              <a:t>2017/7/7</a:t>
+              <a:t>2017/9/4</a:t>
             </a:fld>
             <a:endParaRPr lang="zh-CN" altLang="en-US"/>
           </a:p>
@@ -2457,7 +2457,7 @@
           <a:p>
             <a:fld id="{530820CF-B880-4189-942D-D702A7CBA730}" type="datetimeFigureOut">
               <a:rPr lang="zh-CN" altLang="en-US" smtClean="0"/>
-              <a:t>2017/7/7</a:t>
+              <a:t>2017/9/4</a:t>
             </a:fld>
             <a:endParaRPr lang="zh-CN" altLang="en-US"/>
           </a:p>
@@ -2665,7 +2665,7 @@
           <a:p>
             <a:fld id="{530820CF-B880-4189-942D-D702A7CBA730}" type="datetimeFigureOut">
               <a:rPr lang="zh-CN" altLang="en-US" smtClean="0"/>
-              <a:t>2017/7/7</a:t>
+              <a:t>2017/9/4</a:t>
             </a:fld>
             <a:endParaRPr lang="zh-CN" altLang="en-US"/>
           </a:p>
@@ -9420,7 +9420,7 @@
         <p:spPr>
           <a:xfrm flipV="1">
             <a:off x="4500836" y="1196752"/>
-            <a:ext cx="2736304" cy="3168352"/>
+            <a:ext cx="2736304" cy="3312368"/>
           </a:xfrm>
           <a:prstGeom prst="straightConnector1">
             <a:avLst/>
